--- a/Homework/HW3_Phoenix/arch-diagram.pptx
+++ b/Homework/HW3_Phoenix/arch-diagram.pptx
@@ -154,10 +154,9 @@
           </a:lstStyle>
           <a:p>
             <a:r>
-              <a:rPr lang="he-IL" smtClean="0"/>
+              <a:rPr lang="he-IL"/>
               <a:t>לחץ כדי לערוך סגנון כותרת של תבנית בסיס</a:t>
             </a:r>
-            <a:endParaRPr lang="he-IL"/>
           </a:p>
         </p:txBody>
       </p:sp>
@@ -219,10 +218,9 @@
           </a:lstStyle>
           <a:p>
             <a:r>
-              <a:rPr lang="he-IL" smtClean="0"/>
+              <a:rPr lang="he-IL"/>
               <a:t>לחץ כדי לערוך סגנון כותרת משנה של תבנית בסיס</a:t>
             </a:r>
-            <a:endParaRPr lang="he-IL"/>
           </a:p>
         </p:txBody>
       </p:sp>
@@ -337,10 +335,9 @@
           <a:lstStyle/>
           <a:p>
             <a:r>
-              <a:rPr lang="he-IL" smtClean="0"/>
+              <a:rPr lang="he-IL"/>
               <a:t>לחץ כדי לערוך סגנון כותרת של תבנית בסיס</a:t>
             </a:r>
-            <a:endParaRPr lang="he-IL"/>
           </a:p>
         </p:txBody>
       </p:sp>
@@ -361,38 +358,37 @@
           <a:p>
             <a:pPr lvl="0"/>
             <a:r>
-              <a:rPr lang="he-IL" smtClean="0"/>
+              <a:rPr lang="he-IL"/>
               <a:t>ערוך סגנונות טקסט של תבנית בסיס</a:t>
             </a:r>
           </a:p>
           <a:p>
             <a:pPr lvl="1"/>
             <a:r>
-              <a:rPr lang="he-IL" smtClean="0"/>
+              <a:rPr lang="he-IL"/>
               <a:t>רמה שניה</a:t>
             </a:r>
           </a:p>
           <a:p>
             <a:pPr lvl="2"/>
             <a:r>
-              <a:rPr lang="he-IL" smtClean="0"/>
+              <a:rPr lang="he-IL"/>
               <a:t>רמה שלישית</a:t>
             </a:r>
           </a:p>
           <a:p>
             <a:pPr lvl="3"/>
             <a:r>
-              <a:rPr lang="he-IL" smtClean="0"/>
+              <a:rPr lang="he-IL"/>
               <a:t>רמה רביעית</a:t>
             </a:r>
           </a:p>
           <a:p>
             <a:pPr lvl="4"/>
             <a:r>
-              <a:rPr lang="he-IL" smtClean="0"/>
+              <a:rPr lang="he-IL"/>
               <a:t>רמה חמישית</a:t>
             </a:r>
-            <a:endParaRPr lang="he-IL"/>
           </a:p>
         </p:txBody>
       </p:sp>
@@ -512,10 +508,9 @@
           <a:lstStyle/>
           <a:p>
             <a:r>
-              <a:rPr lang="he-IL" smtClean="0"/>
+              <a:rPr lang="he-IL"/>
               <a:t>לחץ כדי לערוך סגנון כותרת של תבנית בסיס</a:t>
             </a:r>
-            <a:endParaRPr lang="he-IL"/>
           </a:p>
         </p:txBody>
       </p:sp>
@@ -541,38 +536,37 @@
           <a:p>
             <a:pPr lvl="0"/>
             <a:r>
-              <a:rPr lang="he-IL" smtClean="0"/>
+              <a:rPr lang="he-IL"/>
               <a:t>ערוך סגנונות טקסט של תבנית בסיס</a:t>
             </a:r>
           </a:p>
           <a:p>
             <a:pPr lvl="1"/>
             <a:r>
-              <a:rPr lang="he-IL" smtClean="0"/>
+              <a:rPr lang="he-IL"/>
               <a:t>רמה שניה</a:t>
             </a:r>
           </a:p>
           <a:p>
             <a:pPr lvl="2"/>
             <a:r>
-              <a:rPr lang="he-IL" smtClean="0"/>
+              <a:rPr lang="he-IL"/>
               <a:t>רמה שלישית</a:t>
             </a:r>
           </a:p>
           <a:p>
             <a:pPr lvl="3"/>
             <a:r>
-              <a:rPr lang="he-IL" smtClean="0"/>
+              <a:rPr lang="he-IL"/>
               <a:t>רמה רביעית</a:t>
             </a:r>
           </a:p>
           <a:p>
             <a:pPr lvl="4"/>
             <a:r>
-              <a:rPr lang="he-IL" smtClean="0"/>
+              <a:rPr lang="he-IL"/>
               <a:t>רמה חמישית</a:t>
             </a:r>
-            <a:endParaRPr lang="he-IL"/>
           </a:p>
         </p:txBody>
       </p:sp>
@@ -687,10 +681,9 @@
           <a:lstStyle/>
           <a:p>
             <a:r>
-              <a:rPr lang="he-IL" smtClean="0"/>
+              <a:rPr lang="he-IL"/>
               <a:t>לחץ כדי לערוך סגנון כותרת של תבנית בסיס</a:t>
             </a:r>
-            <a:endParaRPr lang="he-IL"/>
           </a:p>
         </p:txBody>
       </p:sp>
@@ -711,38 +704,37 @@
           <a:p>
             <a:pPr lvl="0"/>
             <a:r>
-              <a:rPr lang="he-IL" smtClean="0"/>
+              <a:rPr lang="he-IL"/>
               <a:t>ערוך סגנונות טקסט של תבנית בסיס</a:t>
             </a:r>
           </a:p>
           <a:p>
             <a:pPr lvl="1"/>
             <a:r>
-              <a:rPr lang="he-IL" smtClean="0"/>
+              <a:rPr lang="he-IL"/>
               <a:t>רמה שניה</a:t>
             </a:r>
           </a:p>
           <a:p>
             <a:pPr lvl="2"/>
             <a:r>
-              <a:rPr lang="he-IL" smtClean="0"/>
+              <a:rPr lang="he-IL"/>
               <a:t>רמה שלישית</a:t>
             </a:r>
           </a:p>
           <a:p>
             <a:pPr lvl="3"/>
             <a:r>
-              <a:rPr lang="he-IL" smtClean="0"/>
+              <a:rPr lang="he-IL"/>
               <a:t>רמה רביעית</a:t>
             </a:r>
           </a:p>
           <a:p>
             <a:pPr lvl="4"/>
             <a:r>
-              <a:rPr lang="he-IL" smtClean="0"/>
+              <a:rPr lang="he-IL"/>
               <a:t>רמה חמישית</a:t>
             </a:r>
-            <a:endParaRPr lang="he-IL"/>
           </a:p>
         </p:txBody>
       </p:sp>
@@ -866,10 +858,9 @@
           </a:lstStyle>
           <a:p>
             <a:r>
-              <a:rPr lang="he-IL" smtClean="0"/>
+              <a:rPr lang="he-IL"/>
               <a:t>לחץ כדי לערוך סגנון כותרת של תבנית בסיס</a:t>
             </a:r>
-            <a:endParaRPr lang="he-IL"/>
           </a:p>
         </p:txBody>
       </p:sp>
@@ -986,7 +977,7 @@
           <a:p>
             <a:pPr lvl="0"/>
             <a:r>
-              <a:rPr lang="he-IL" smtClean="0"/>
+              <a:rPr lang="he-IL"/>
               <a:t>ערוך סגנונות טקסט של תבנית בסיס</a:t>
             </a:r>
           </a:p>
@@ -1103,10 +1094,9 @@
           <a:lstStyle/>
           <a:p>
             <a:r>
-              <a:rPr lang="he-IL" smtClean="0"/>
+              <a:rPr lang="he-IL"/>
               <a:t>לחץ כדי לערוך סגנון כותרת של תבנית בסיס</a:t>
             </a:r>
-            <a:endParaRPr lang="he-IL"/>
           </a:p>
         </p:txBody>
       </p:sp>
@@ -1132,38 +1122,37 @@
           <a:p>
             <a:pPr lvl="0"/>
             <a:r>
-              <a:rPr lang="he-IL" smtClean="0"/>
+              <a:rPr lang="he-IL"/>
               <a:t>ערוך סגנונות טקסט של תבנית בסיס</a:t>
             </a:r>
           </a:p>
           <a:p>
             <a:pPr lvl="1"/>
             <a:r>
-              <a:rPr lang="he-IL" smtClean="0"/>
+              <a:rPr lang="he-IL"/>
               <a:t>רמה שניה</a:t>
             </a:r>
           </a:p>
           <a:p>
             <a:pPr lvl="2"/>
             <a:r>
-              <a:rPr lang="he-IL" smtClean="0"/>
+              <a:rPr lang="he-IL"/>
               <a:t>רמה שלישית</a:t>
             </a:r>
           </a:p>
           <a:p>
             <a:pPr lvl="3"/>
             <a:r>
-              <a:rPr lang="he-IL" smtClean="0"/>
+              <a:rPr lang="he-IL"/>
               <a:t>רמה רביעית</a:t>
             </a:r>
           </a:p>
           <a:p>
             <a:pPr lvl="4"/>
             <a:r>
-              <a:rPr lang="he-IL" smtClean="0"/>
+              <a:rPr lang="he-IL"/>
               <a:t>רמה חמישית</a:t>
             </a:r>
-            <a:endParaRPr lang="he-IL"/>
           </a:p>
         </p:txBody>
       </p:sp>
@@ -1189,38 +1178,37 @@
           <a:p>
             <a:pPr lvl="0"/>
             <a:r>
-              <a:rPr lang="he-IL" smtClean="0"/>
+              <a:rPr lang="he-IL"/>
               <a:t>ערוך סגנונות טקסט של תבנית בסיס</a:t>
             </a:r>
           </a:p>
           <a:p>
             <a:pPr lvl="1"/>
             <a:r>
-              <a:rPr lang="he-IL" smtClean="0"/>
+              <a:rPr lang="he-IL"/>
               <a:t>רמה שניה</a:t>
             </a:r>
           </a:p>
           <a:p>
             <a:pPr lvl="2"/>
             <a:r>
-              <a:rPr lang="he-IL" smtClean="0"/>
+              <a:rPr lang="he-IL"/>
               <a:t>רמה שלישית</a:t>
             </a:r>
           </a:p>
           <a:p>
             <a:pPr lvl="3"/>
             <a:r>
-              <a:rPr lang="he-IL" smtClean="0"/>
+              <a:rPr lang="he-IL"/>
               <a:t>רמה רביעית</a:t>
             </a:r>
           </a:p>
           <a:p>
             <a:pPr lvl="4"/>
             <a:r>
-              <a:rPr lang="he-IL" smtClean="0"/>
+              <a:rPr lang="he-IL"/>
               <a:t>רמה חמישית</a:t>
             </a:r>
-            <a:endParaRPr lang="he-IL"/>
           </a:p>
         </p:txBody>
       </p:sp>
@@ -1340,10 +1328,9 @@
           <a:lstStyle/>
           <a:p>
             <a:r>
-              <a:rPr lang="he-IL" smtClean="0"/>
+              <a:rPr lang="he-IL"/>
               <a:t>לחץ כדי לערוך סגנון כותרת של תבנית בסיס</a:t>
             </a:r>
-            <a:endParaRPr lang="he-IL"/>
           </a:p>
         </p:txBody>
       </p:sp>
@@ -1406,7 +1393,7 @@
           <a:p>
             <a:pPr lvl="0"/>
             <a:r>
-              <a:rPr lang="he-IL" smtClean="0"/>
+              <a:rPr lang="he-IL"/>
               <a:t>ערוך סגנונות טקסט של תבנית בסיס</a:t>
             </a:r>
           </a:p>
@@ -1434,38 +1421,37 @@
           <a:p>
             <a:pPr lvl="0"/>
             <a:r>
-              <a:rPr lang="he-IL" smtClean="0"/>
+              <a:rPr lang="he-IL"/>
               <a:t>ערוך סגנונות טקסט של תבנית בסיס</a:t>
             </a:r>
           </a:p>
           <a:p>
             <a:pPr lvl="1"/>
             <a:r>
-              <a:rPr lang="he-IL" smtClean="0"/>
+              <a:rPr lang="he-IL"/>
               <a:t>רמה שניה</a:t>
             </a:r>
           </a:p>
           <a:p>
             <a:pPr lvl="2"/>
             <a:r>
-              <a:rPr lang="he-IL" smtClean="0"/>
+              <a:rPr lang="he-IL"/>
               <a:t>רמה שלישית</a:t>
             </a:r>
           </a:p>
           <a:p>
             <a:pPr lvl="3"/>
             <a:r>
-              <a:rPr lang="he-IL" smtClean="0"/>
+              <a:rPr lang="he-IL"/>
               <a:t>רמה רביעית</a:t>
             </a:r>
           </a:p>
           <a:p>
             <a:pPr lvl="4"/>
             <a:r>
-              <a:rPr lang="he-IL" smtClean="0"/>
+              <a:rPr lang="he-IL"/>
               <a:t>רמה חמישית</a:t>
             </a:r>
-            <a:endParaRPr lang="he-IL"/>
           </a:p>
         </p:txBody>
       </p:sp>
@@ -1528,7 +1514,7 @@
           <a:p>
             <a:pPr lvl="0"/>
             <a:r>
-              <a:rPr lang="he-IL" smtClean="0"/>
+              <a:rPr lang="he-IL"/>
               <a:t>ערוך סגנונות טקסט של תבנית בסיס</a:t>
             </a:r>
           </a:p>
@@ -1556,38 +1542,37 @@
           <a:p>
             <a:pPr lvl="0"/>
             <a:r>
-              <a:rPr lang="he-IL" smtClean="0"/>
+              <a:rPr lang="he-IL"/>
               <a:t>ערוך סגנונות טקסט של תבנית בסיס</a:t>
             </a:r>
           </a:p>
           <a:p>
             <a:pPr lvl="1"/>
             <a:r>
-              <a:rPr lang="he-IL" smtClean="0"/>
+              <a:rPr lang="he-IL"/>
               <a:t>רמה שניה</a:t>
             </a:r>
           </a:p>
           <a:p>
             <a:pPr lvl="2"/>
             <a:r>
-              <a:rPr lang="he-IL" smtClean="0"/>
+              <a:rPr lang="he-IL"/>
               <a:t>רמה שלישית</a:t>
             </a:r>
           </a:p>
           <a:p>
             <a:pPr lvl="3"/>
             <a:r>
-              <a:rPr lang="he-IL" smtClean="0"/>
+              <a:rPr lang="he-IL"/>
               <a:t>רמה רביעית</a:t>
             </a:r>
           </a:p>
           <a:p>
             <a:pPr lvl="4"/>
             <a:r>
-              <a:rPr lang="he-IL" smtClean="0"/>
+              <a:rPr lang="he-IL"/>
               <a:t>רמה חמישית</a:t>
             </a:r>
-            <a:endParaRPr lang="he-IL"/>
           </a:p>
         </p:txBody>
       </p:sp>
@@ -1702,10 +1687,9 @@
           <a:lstStyle/>
           <a:p>
             <a:r>
-              <a:rPr lang="he-IL" smtClean="0"/>
+              <a:rPr lang="he-IL"/>
               <a:t>לחץ כדי לערוך סגנון כותרת של תבנית בסיס</a:t>
             </a:r>
-            <a:endParaRPr lang="he-IL"/>
           </a:p>
         </p:txBody>
       </p:sp>
@@ -1924,10 +1908,9 @@
           </a:lstStyle>
           <a:p>
             <a:r>
-              <a:rPr lang="he-IL" smtClean="0"/>
+              <a:rPr lang="he-IL"/>
               <a:t>לחץ כדי לערוך סגנון כותרת של תבנית בסיס</a:t>
             </a:r>
-            <a:endParaRPr lang="he-IL"/>
           </a:p>
         </p:txBody>
       </p:sp>
@@ -1981,38 +1964,37 @@
           <a:p>
             <a:pPr lvl="0"/>
             <a:r>
-              <a:rPr lang="he-IL" smtClean="0"/>
+              <a:rPr lang="he-IL"/>
               <a:t>ערוך סגנונות טקסט של תבנית בסיס</a:t>
             </a:r>
           </a:p>
           <a:p>
             <a:pPr lvl="1"/>
             <a:r>
-              <a:rPr lang="he-IL" smtClean="0"/>
+              <a:rPr lang="he-IL"/>
               <a:t>רמה שניה</a:t>
             </a:r>
           </a:p>
           <a:p>
             <a:pPr lvl="2"/>
             <a:r>
-              <a:rPr lang="he-IL" smtClean="0"/>
+              <a:rPr lang="he-IL"/>
               <a:t>רמה שלישית</a:t>
             </a:r>
           </a:p>
           <a:p>
             <a:pPr lvl="3"/>
             <a:r>
-              <a:rPr lang="he-IL" smtClean="0"/>
+              <a:rPr lang="he-IL"/>
               <a:t>רמה רביעית</a:t>
             </a:r>
           </a:p>
           <a:p>
             <a:pPr lvl="4"/>
             <a:r>
-              <a:rPr lang="he-IL" smtClean="0"/>
+              <a:rPr lang="he-IL"/>
               <a:t>רמה חמישית</a:t>
             </a:r>
-            <a:endParaRPr lang="he-IL"/>
           </a:p>
         </p:txBody>
       </p:sp>
@@ -2075,7 +2057,7 @@
           <a:p>
             <a:pPr lvl="0"/>
             <a:r>
-              <a:rPr lang="he-IL" smtClean="0"/>
+              <a:rPr lang="he-IL"/>
               <a:t>ערוך סגנונות טקסט של תבנית בסיס</a:t>
             </a:r>
           </a:p>
@@ -2201,10 +2183,9 @@
           </a:lstStyle>
           <a:p>
             <a:r>
-              <a:rPr lang="he-IL" smtClean="0"/>
+              <a:rPr lang="he-IL"/>
               <a:t>לחץ כדי לערוך סגנון כותרת של תבנית בסיס</a:t>
             </a:r>
-            <a:endParaRPr lang="he-IL"/>
           </a:p>
         </p:txBody>
       </p:sp>
@@ -2328,7 +2309,7 @@
           <a:p>
             <a:pPr lvl="0"/>
             <a:r>
-              <a:rPr lang="he-IL" smtClean="0"/>
+              <a:rPr lang="he-IL"/>
               <a:t>ערוך סגנונות טקסט של תבנית בסיס</a:t>
             </a:r>
           </a:p>
@@ -2460,10 +2441,9 @@
           <a:lstStyle/>
           <a:p>
             <a:r>
-              <a:rPr lang="he-IL" smtClean="0"/>
+              <a:rPr lang="he-IL"/>
               <a:t>לחץ כדי לערוך סגנון כותרת של תבנית בסיס</a:t>
             </a:r>
-            <a:endParaRPr lang="he-IL"/>
           </a:p>
         </p:txBody>
       </p:sp>
@@ -2494,38 +2474,37 @@
           <a:p>
             <a:pPr lvl="0"/>
             <a:r>
-              <a:rPr lang="he-IL" smtClean="0"/>
+              <a:rPr lang="he-IL"/>
               <a:t>ערוך סגנונות טקסט של תבנית בסיס</a:t>
             </a:r>
           </a:p>
           <a:p>
             <a:pPr lvl="1"/>
             <a:r>
-              <a:rPr lang="he-IL" smtClean="0"/>
+              <a:rPr lang="he-IL"/>
               <a:t>רמה שניה</a:t>
             </a:r>
           </a:p>
           <a:p>
             <a:pPr lvl="2"/>
             <a:r>
-              <a:rPr lang="he-IL" smtClean="0"/>
+              <a:rPr lang="he-IL"/>
               <a:t>רמה שלישית</a:t>
             </a:r>
           </a:p>
           <a:p>
             <a:pPr lvl="3"/>
             <a:r>
-              <a:rPr lang="he-IL" smtClean="0"/>
+              <a:rPr lang="he-IL"/>
               <a:t>רמה רביעית</a:t>
             </a:r>
           </a:p>
           <a:p>
             <a:pPr lvl="4"/>
             <a:r>
-              <a:rPr lang="he-IL" smtClean="0"/>
+              <a:rPr lang="he-IL"/>
               <a:t>רמה חמישית</a:t>
             </a:r>
-            <a:endParaRPr lang="he-IL"/>
           </a:p>
         </p:txBody>
       </p:sp>
@@ -3034,7 +3013,7 @@
           <a:lstStyle/>
           <a:p>
             <a:r>
-              <a:rPr lang="en-US" dirty="0" smtClean="0"/>
+              <a:rPr lang="en-US" dirty="0"/>
               <a:t>Phoenix IBM search engine</a:t>
             </a:r>
             <a:endParaRPr lang="he-IL" dirty="0"/>
@@ -3092,7 +3071,7 @@
             <a:p>
               <a:pPr algn="ctr"/>
               <a:r>
-                <a:rPr lang="en-US" dirty="0" err="1" smtClean="0"/>
+                <a:rPr lang="en-US" dirty="0" err="1"/>
                 <a:t>IndexService</a:t>
               </a:r>
               <a:endParaRPr lang="he-IL" dirty="0"/>
@@ -3170,10 +3149,10 @@
             <a:lstStyle/>
             <a:p>
               <a:r>
-                <a:rPr lang="en-US" dirty="0" err="1" smtClean="0"/>
+                <a:rPr lang="en-US" dirty="0" err="1"/>
                 <a:t>Microservices</a:t>
               </a:r>
-              <a:endParaRPr lang="en-US" dirty="0" smtClean="0"/>
+              <a:endParaRPr lang="en-US" dirty="0"/>
             </a:p>
           </p:txBody>
         </p:sp>
@@ -3214,7 +3193,7 @@
             <a:p>
               <a:pPr algn="ctr"/>
               <a:r>
-                <a:rPr lang="en-US" dirty="0" err="1" smtClean="0"/>
+                <a:rPr lang="en-US" dirty="0" err="1"/>
                 <a:t>FirebaseService</a:t>
               </a:r>
               <a:endParaRPr lang="he-IL" dirty="0"/>
@@ -3258,7 +3237,7 @@
             <a:p>
               <a:pPr algn="ctr"/>
               <a:r>
-                <a:rPr lang="en-US" dirty="0" err="1" smtClean="0"/>
+                <a:rPr lang="en-US" dirty="0" err="1"/>
                 <a:t>CrawlerService</a:t>
               </a:r>
               <a:endParaRPr lang="he-IL" dirty="0"/>
@@ -3302,7 +3281,7 @@
             <a:p>
               <a:pPr algn="ctr"/>
               <a:r>
-                <a:rPr lang="en-US" dirty="0" err="1" smtClean="0"/>
+                <a:rPr lang="en-US" dirty="0" err="1"/>
                 <a:t>QueryService</a:t>
               </a:r>
               <a:endParaRPr lang="he-IL" dirty="0"/>
@@ -3346,7 +3325,7 @@
             <a:p>
               <a:pPr algn="ctr"/>
               <a:r>
-                <a:rPr lang="en-US" dirty="0" err="1" smtClean="0"/>
+                <a:rPr lang="en-US" dirty="0" err="1"/>
                 <a:t>GraphService</a:t>
               </a:r>
               <a:endParaRPr lang="he-IL" dirty="0"/>
@@ -3376,7 +3355,7 @@
             <a:lstStyle/>
             <a:p>
               <a:r>
-                <a:rPr lang="en-US" sz="1400" dirty="0" smtClean="0"/>
+                <a:rPr lang="en-US" sz="1400" dirty="0"/>
                 <a:t>Dependency Injection</a:t>
               </a:r>
               <a:endParaRPr lang="he-IL" sz="1400" dirty="0"/>
@@ -3490,7 +3469,7 @@
             <a:lstStyle/>
             <a:p>
               <a:r>
-                <a:rPr lang="en-US" sz="1400" dirty="0" smtClean="0"/>
+                <a:rPr lang="en-US" sz="1400" dirty="0"/>
                 <a:t>Dependency Injection</a:t>
               </a:r>
               <a:endParaRPr lang="he-IL" sz="1400" dirty="0"/>
@@ -3564,7 +3543,7 @@
             <a:lstStyle/>
             <a:p>
               <a:r>
-                <a:rPr lang="en-US" sz="1400" dirty="0" smtClean="0"/>
+                <a:rPr lang="en-US" sz="1400" dirty="0"/>
                 <a:t>Dependency Injection</a:t>
               </a:r>
               <a:endParaRPr lang="he-IL" sz="1400" dirty="0"/>
@@ -3669,7 +3648,7 @@
             <a:p>
               <a:pPr algn="ctr"/>
               <a:r>
-                <a:rPr lang="en-US" dirty="0" err="1" smtClean="0"/>
+                <a:rPr lang="en-US" dirty="0" err="1"/>
                 <a:t>SearchEngineUI</a:t>
               </a:r>
               <a:endParaRPr lang="en-US" dirty="0"/>
@@ -3699,7 +3678,7 @@
             <a:lstStyle/>
             <a:p>
               <a:r>
-                <a:rPr lang="en-US" dirty="0" smtClean="0"/>
+                <a:rPr lang="en-US" dirty="0"/>
                 <a:t>UI-Related classes</a:t>
               </a:r>
             </a:p>
@@ -3742,7 +3721,7 @@
             <a:p>
               <a:pPr algn="ctr"/>
               <a:r>
-                <a:rPr lang="en-US" dirty="0" err="1" smtClean="0"/>
+                <a:rPr lang="en-US" dirty="0" err="1"/>
                 <a:t>SearchHistoryUI</a:t>
               </a:r>
               <a:endParaRPr lang="en-US" dirty="0"/>
@@ -3786,7 +3765,7 @@
             <a:p>
               <a:pPr algn="ctr"/>
               <a:r>
-                <a:rPr lang="en-US" dirty="0" err="1" smtClean="0"/>
+                <a:rPr lang="en-US" dirty="0" err="1"/>
                 <a:t>ChatbotUI</a:t>
               </a:r>
               <a:endParaRPr lang="en-US" dirty="0"/>
@@ -3830,7 +3809,7 @@
             <a:p>
               <a:pPr algn="ctr"/>
               <a:r>
-                <a:rPr lang="en-US" dirty="0" err="1" smtClean="0"/>
+                <a:rPr lang="en-US" dirty="0" err="1"/>
                 <a:t>EditIndexUI</a:t>
               </a:r>
               <a:endParaRPr lang="en-US" dirty="0"/>
@@ -3903,7 +3882,7 @@
           <a:lstStyle/>
           <a:p>
             <a:r>
-              <a:rPr lang="en-US" dirty="0" smtClean="0"/>
+              <a:rPr lang="en-US" dirty="0"/>
               <a:t>Uses</a:t>
             </a:r>
             <a:endParaRPr lang="he-IL" dirty="0"/>
@@ -3947,7 +3926,7 @@
           <a:p>
             <a:pPr algn="ctr"/>
             <a:r>
-              <a:rPr lang="en-US" dirty="0" smtClean="0"/>
+              <a:rPr lang="en-US" dirty="0"/>
               <a:t>Firebase</a:t>
             </a:r>
             <a:endParaRPr lang="he-IL" dirty="0"/>
@@ -4019,7 +3998,7 @@
           <a:lstStyle/>
           <a:p>
             <a:r>
-              <a:rPr lang="en-US" sz="1200" dirty="0" smtClean="0"/>
+              <a:rPr lang="en-US" sz="1200" dirty="0"/>
               <a:t>Communication</a:t>
             </a:r>
             <a:endParaRPr lang="he-IL" sz="1200" dirty="0"/>
@@ -4063,8 +4042,8 @@
           <a:p>
             <a:pPr algn="ctr"/>
             <a:r>
-              <a:rPr lang="en-US" dirty="0" smtClean="0"/>
-              <a:t>Firebase</a:t>
+              <a:rPr lang="en-US" dirty="0"/>
+              <a:t>GEN AI</a:t>
             </a:r>
             <a:endParaRPr lang="he-IL" dirty="0"/>
           </a:p>
@@ -4163,13 +4142,6 @@
   <p:clrMapOvr>
     <a:masterClrMapping/>
   </p:clrMapOvr>
-  <p:timing>
-    <p:tnLst>
-      <p:par>
-        <p:cTn id="1" dur="indefinite" restart="never" nodeType="tmRoot"/>
-      </p:par>
-    </p:tnLst>
-  </p:timing>
 </p:sld>
 </file>
 

--- a/Homework/HW3_Phoenix/arch-diagram.pptx
+++ b/Homework/HW3_Phoenix/arch-diagram.pptx
@@ -241,7 +241,7 @@
           <a:p>
             <a:fld id="{9F8E99B7-8605-424C-983A-F9EFCF4F11D8}" type="datetimeFigureOut">
               <a:rPr lang="he-IL" smtClean="0"/>
-              <a:t>כ"א/טבת/תשפ"ה</a:t>
+              <a:t>כ"ד/טבת/תשפ"ה</a:t>
             </a:fld>
             <a:endParaRPr lang="he-IL"/>
           </a:p>
@@ -409,7 +409,7 @@
           <a:p>
             <a:fld id="{9F8E99B7-8605-424C-983A-F9EFCF4F11D8}" type="datetimeFigureOut">
               <a:rPr lang="he-IL" smtClean="0"/>
-              <a:t>כ"א/טבת/תשפ"ה</a:t>
+              <a:t>כ"ד/טבת/תשפ"ה</a:t>
             </a:fld>
             <a:endParaRPr lang="he-IL"/>
           </a:p>
@@ -587,7 +587,7 @@
           <a:p>
             <a:fld id="{9F8E99B7-8605-424C-983A-F9EFCF4F11D8}" type="datetimeFigureOut">
               <a:rPr lang="he-IL" smtClean="0"/>
-              <a:t>כ"א/טבת/תשפ"ה</a:t>
+              <a:t>כ"ד/טבת/תשפ"ה</a:t>
             </a:fld>
             <a:endParaRPr lang="he-IL"/>
           </a:p>
@@ -755,7 +755,7 @@
           <a:p>
             <a:fld id="{9F8E99B7-8605-424C-983A-F9EFCF4F11D8}" type="datetimeFigureOut">
               <a:rPr lang="he-IL" smtClean="0"/>
-              <a:t>כ"א/טבת/תשפ"ה</a:t>
+              <a:t>כ"ד/טבת/תשפ"ה</a:t>
             </a:fld>
             <a:endParaRPr lang="he-IL"/>
           </a:p>
@@ -1000,7 +1000,7 @@
           <a:p>
             <a:fld id="{9F8E99B7-8605-424C-983A-F9EFCF4F11D8}" type="datetimeFigureOut">
               <a:rPr lang="he-IL" smtClean="0"/>
-              <a:t>כ"א/טבת/תשפ"ה</a:t>
+              <a:t>כ"ד/טבת/תשפ"ה</a:t>
             </a:fld>
             <a:endParaRPr lang="he-IL"/>
           </a:p>
@@ -1229,7 +1229,7 @@
           <a:p>
             <a:fld id="{9F8E99B7-8605-424C-983A-F9EFCF4F11D8}" type="datetimeFigureOut">
               <a:rPr lang="he-IL" smtClean="0"/>
-              <a:t>כ"א/טבת/תשפ"ה</a:t>
+              <a:t>כ"ד/טבת/תשפ"ה</a:t>
             </a:fld>
             <a:endParaRPr lang="he-IL"/>
           </a:p>
@@ -1593,7 +1593,7 @@
           <a:p>
             <a:fld id="{9F8E99B7-8605-424C-983A-F9EFCF4F11D8}" type="datetimeFigureOut">
               <a:rPr lang="he-IL" smtClean="0"/>
-              <a:t>כ"א/טבת/תשפ"ה</a:t>
+              <a:t>כ"ד/טבת/תשפ"ה</a:t>
             </a:fld>
             <a:endParaRPr lang="he-IL"/>
           </a:p>
@@ -1710,7 +1710,7 @@
           <a:p>
             <a:fld id="{9F8E99B7-8605-424C-983A-F9EFCF4F11D8}" type="datetimeFigureOut">
               <a:rPr lang="he-IL" smtClean="0"/>
-              <a:t>כ"א/טבת/תשפ"ה</a:t>
+              <a:t>כ"ד/טבת/תשפ"ה</a:t>
             </a:fld>
             <a:endParaRPr lang="he-IL"/>
           </a:p>
@@ -1805,7 +1805,7 @@
           <a:p>
             <a:fld id="{9F8E99B7-8605-424C-983A-F9EFCF4F11D8}" type="datetimeFigureOut">
               <a:rPr lang="he-IL" smtClean="0"/>
-              <a:t>כ"א/טבת/תשפ"ה</a:t>
+              <a:t>כ"ד/טבת/תשפ"ה</a:t>
             </a:fld>
             <a:endParaRPr lang="he-IL"/>
           </a:p>
@@ -2080,7 +2080,7 @@
           <a:p>
             <a:fld id="{9F8E99B7-8605-424C-983A-F9EFCF4F11D8}" type="datetimeFigureOut">
               <a:rPr lang="he-IL" smtClean="0"/>
-              <a:t>כ"א/טבת/תשפ"ה</a:t>
+              <a:t>כ"ד/טבת/תשפ"ה</a:t>
             </a:fld>
             <a:endParaRPr lang="he-IL"/>
           </a:p>
@@ -2332,7 +2332,7 @@
           <a:p>
             <a:fld id="{9F8E99B7-8605-424C-983A-F9EFCF4F11D8}" type="datetimeFigureOut">
               <a:rPr lang="he-IL" smtClean="0"/>
-              <a:t>כ"א/טבת/תשפ"ה</a:t>
+              <a:t>כ"ד/טבת/תשפ"ה</a:t>
             </a:fld>
             <a:endParaRPr lang="he-IL"/>
           </a:p>
@@ -2543,7 +2543,7 @@
           <a:p>
             <a:fld id="{9F8E99B7-8605-424C-983A-F9EFCF4F11D8}" type="datetimeFigureOut">
               <a:rPr lang="he-IL" smtClean="0"/>
-              <a:t>כ"א/טבת/תשפ"ה</a:t>
+              <a:t>כ"ד/טבת/תשפ"ה</a:t>
             </a:fld>
             <a:endParaRPr lang="he-IL"/>
           </a:p>
@@ -4132,6 +4132,36 @@
           </a:fontRef>
         </p:style>
       </p:cxnSp>
+      <p:sp>
+        <p:nvSpPr>
+          <p:cNvPr id="33" name="TextBox 32"/>
+          <p:cNvSpPr txBox="1"/>
+          <p:nvPr/>
+        </p:nvSpPr>
+        <p:spPr>
+          <a:xfrm>
+            <a:off x="10714468" y="4061806"/>
+            <a:ext cx="1175835" cy="276999"/>
+          </a:xfrm>
+          <a:prstGeom prst="rect">
+            <a:avLst/>
+          </a:prstGeom>
+          <a:noFill/>
+        </p:spPr>
+        <p:txBody>
+          <a:bodyPr wrap="none" rtlCol="1">
+            <a:spAutoFit/>
+          </a:bodyPr>
+          <a:lstStyle/>
+          <a:p>
+            <a:r>
+              <a:rPr lang="en-US" sz="1200" dirty="0"/>
+              <a:t>Communication</a:t>
+            </a:r>
+            <a:endParaRPr lang="he-IL" sz="1200" dirty="0"/>
+          </a:p>
+        </p:txBody>
+      </p:sp>
     </p:spTree>
     <p:extLst>
       <p:ext uri="{BB962C8B-B14F-4D97-AF65-F5344CB8AC3E}">
